--- a/2023-03 Mundo laboral con DotNet/Presentación.pptx
+++ b/2023-03 Mundo laboral con DotNet/Presentación.pptx
@@ -5,7 +5,7 @@
     <p:sldMasterId id="2147483660" r:id="rId1"/>
   </p:sldMasterIdLst>
   <p:notesMasterIdLst>
-    <p:notesMasterId r:id="rId14"/>
+    <p:notesMasterId r:id="rId16"/>
   </p:notesMasterIdLst>
   <p:sldIdLst>
     <p:sldId id="256" r:id="rId2"/>
@@ -17,9 +17,11 @@
     <p:sldId id="263" r:id="rId8"/>
     <p:sldId id="269" r:id="rId9"/>
     <p:sldId id="267" r:id="rId10"/>
-    <p:sldId id="264" r:id="rId11"/>
-    <p:sldId id="268" r:id="rId12"/>
-    <p:sldId id="265" r:id="rId13"/>
+    <p:sldId id="270" r:id="rId11"/>
+    <p:sldId id="271" r:id="rId12"/>
+    <p:sldId id="264" r:id="rId13"/>
+    <p:sldId id="268" r:id="rId14"/>
+    <p:sldId id="265" r:id="rId15"/>
   </p:sldIdLst>
   <p:sldSz cx="12192000" cy="6858000"/>
   <p:notesSz cx="6858000" cy="9144000"/>
@@ -208,7 +210,7 @@
           <a:p>
             <a:fld id="{89825460-B0B2-4AFD-8EDA-BC22F2C33A39}" type="datetimeFigureOut">
               <a:rPr lang="es-ES" smtClean="0"/>
-              <a:t>08/03/2023</a:t>
+              <a:t>13/03/2023</a:t>
             </a:fld>
             <a:endParaRPr lang="es-ES"/>
           </a:p>
@@ -928,7 +930,7 @@
           <a:p>
             <a:fld id="{811967B5-D1BE-4D0A-8E83-B0394D6FED3F}" type="datetimeFigureOut">
               <a:rPr lang="es-ES" smtClean="0"/>
-              <a:t>08/03/2023</a:t>
+              <a:t>13/03/2023</a:t>
             </a:fld>
             <a:endParaRPr lang="es-ES"/>
           </a:p>
@@ -1260,7 +1262,7 @@
           <a:p>
             <a:fld id="{811967B5-D1BE-4D0A-8E83-B0394D6FED3F}" type="datetimeFigureOut">
               <a:rPr lang="es-ES" smtClean="0"/>
-              <a:t>08/03/2023</a:t>
+              <a:t>13/03/2023</a:t>
             </a:fld>
             <a:endParaRPr lang="es-ES"/>
           </a:p>
@@ -1456,7 +1458,7 @@
           <a:p>
             <a:fld id="{811967B5-D1BE-4D0A-8E83-B0394D6FED3F}" type="datetimeFigureOut">
               <a:rPr lang="es-ES" smtClean="0"/>
-              <a:t>08/03/2023</a:t>
+              <a:t>13/03/2023</a:t>
             </a:fld>
             <a:endParaRPr lang="es-ES"/>
           </a:p>
@@ -1726,7 +1728,7 @@
           <a:p>
             <a:fld id="{811967B5-D1BE-4D0A-8E83-B0394D6FED3F}" type="datetimeFigureOut">
               <a:rPr lang="es-ES" smtClean="0"/>
-              <a:t>08/03/2023</a:t>
+              <a:t>13/03/2023</a:t>
             </a:fld>
             <a:endParaRPr lang="es-ES"/>
           </a:p>
@@ -2154,7 +2156,7 @@
           <a:p>
             <a:fld id="{811967B5-D1BE-4D0A-8E83-B0394D6FED3F}" type="datetimeFigureOut">
               <a:rPr lang="es-ES" smtClean="0"/>
-              <a:t>08/03/2023</a:t>
+              <a:t>13/03/2023</a:t>
             </a:fld>
             <a:endParaRPr lang="es-ES"/>
           </a:p>
@@ -2704,7 +2706,7 @@
           <a:p>
             <a:fld id="{811967B5-D1BE-4D0A-8E83-B0394D6FED3F}" type="datetimeFigureOut">
               <a:rPr lang="es-ES" smtClean="0"/>
-              <a:t>08/03/2023</a:t>
+              <a:t>13/03/2023</a:t>
             </a:fld>
             <a:endParaRPr lang="es-ES"/>
           </a:p>
@@ -3494,7 +3496,7 @@
           <a:p>
             <a:fld id="{811967B5-D1BE-4D0A-8E83-B0394D6FED3F}" type="datetimeFigureOut">
               <a:rPr lang="es-ES" smtClean="0"/>
-              <a:t>08/03/2023</a:t>
+              <a:t>13/03/2023</a:t>
             </a:fld>
             <a:endParaRPr lang="es-ES"/>
           </a:p>
@@ -3673,7 +3675,7 @@
           <a:p>
             <a:fld id="{811967B5-D1BE-4D0A-8E83-B0394D6FED3F}" type="datetimeFigureOut">
               <a:rPr lang="es-ES" smtClean="0"/>
-              <a:t>08/03/2023</a:t>
+              <a:t>13/03/2023</a:t>
             </a:fld>
             <a:endParaRPr lang="es-ES"/>
           </a:p>
@@ -3857,7 +3859,7 @@
           <a:p>
             <a:fld id="{811967B5-D1BE-4D0A-8E83-B0394D6FED3F}" type="datetimeFigureOut">
               <a:rPr lang="es-ES" smtClean="0"/>
-              <a:t>08/03/2023</a:t>
+              <a:t>13/03/2023</a:t>
             </a:fld>
             <a:endParaRPr lang="es-ES"/>
           </a:p>
@@ -4043,7 +4045,7 @@
           <a:p>
             <a:fld id="{811967B5-D1BE-4D0A-8E83-B0394D6FED3F}" type="datetimeFigureOut">
               <a:rPr lang="es-ES" smtClean="0"/>
-              <a:t>08/03/2023</a:t>
+              <a:t>13/03/2023</a:t>
             </a:fld>
             <a:endParaRPr lang="es-ES"/>
           </a:p>
@@ -4230,7 +4232,7 @@
           <a:p>
             <a:fld id="{811967B5-D1BE-4D0A-8E83-B0394D6FED3F}" type="datetimeFigureOut">
               <a:rPr lang="es-ES" smtClean="0"/>
-              <a:t>08/03/2023</a:t>
+              <a:t>13/03/2023</a:t>
             </a:fld>
             <a:endParaRPr lang="es-ES"/>
           </a:p>
@@ -4480,7 +4482,7 @@
           <a:p>
             <a:fld id="{811967B5-D1BE-4D0A-8E83-B0394D6FED3F}" type="datetimeFigureOut">
               <a:rPr lang="es-ES" smtClean="0"/>
-              <a:t>08/03/2023</a:t>
+              <a:t>13/03/2023</a:t>
             </a:fld>
             <a:endParaRPr lang="es-ES"/>
           </a:p>
@@ -4717,7 +4719,7 @@
           <a:p>
             <a:fld id="{811967B5-D1BE-4D0A-8E83-B0394D6FED3F}" type="datetimeFigureOut">
               <a:rPr lang="es-ES" smtClean="0"/>
-              <a:t>08/03/2023</a:t>
+              <a:t>13/03/2023</a:t>
             </a:fld>
             <a:endParaRPr lang="es-ES"/>
           </a:p>
@@ -5102,7 +5104,7 @@
           <a:p>
             <a:fld id="{811967B5-D1BE-4D0A-8E83-B0394D6FED3F}" type="datetimeFigureOut">
               <a:rPr lang="es-ES" smtClean="0"/>
-              <a:t>08/03/2023</a:t>
+              <a:t>13/03/2023</a:t>
             </a:fld>
             <a:endParaRPr lang="es-ES"/>
           </a:p>
@@ -5220,7 +5222,7 @@
           <a:p>
             <a:fld id="{811967B5-D1BE-4D0A-8E83-B0394D6FED3F}" type="datetimeFigureOut">
               <a:rPr lang="es-ES" smtClean="0"/>
-              <a:t>08/03/2023</a:t>
+              <a:t>13/03/2023</a:t>
             </a:fld>
             <a:endParaRPr lang="es-ES"/>
           </a:p>
@@ -5315,7 +5317,7 @@
           <a:p>
             <a:fld id="{811967B5-D1BE-4D0A-8E83-B0394D6FED3F}" type="datetimeFigureOut">
               <a:rPr lang="es-ES" smtClean="0"/>
-              <a:t>08/03/2023</a:t>
+              <a:t>13/03/2023</a:t>
             </a:fld>
             <a:endParaRPr lang="es-ES"/>
           </a:p>
@@ -5568,7 +5570,7 @@
           <a:p>
             <a:fld id="{811967B5-D1BE-4D0A-8E83-B0394D6FED3F}" type="datetimeFigureOut">
               <a:rPr lang="es-ES" smtClean="0"/>
-              <a:t>08/03/2023</a:t>
+              <a:t>13/03/2023</a:t>
             </a:fld>
             <a:endParaRPr lang="es-ES"/>
           </a:p>
@@ -5837,7 +5839,7 @@
           <a:p>
             <a:fld id="{811967B5-D1BE-4D0A-8E83-B0394D6FED3F}" type="datetimeFigureOut">
               <a:rPr lang="es-ES" smtClean="0"/>
-              <a:t>08/03/2023</a:t>
+              <a:t>13/03/2023</a:t>
             </a:fld>
             <a:endParaRPr lang="es-ES"/>
           </a:p>
@@ -6240,7 +6242,7 @@
           <a:p>
             <a:fld id="{811967B5-D1BE-4D0A-8E83-B0394D6FED3F}" type="datetimeFigureOut">
               <a:rPr lang="es-ES" smtClean="0"/>
-              <a:t>08/03/2023</a:t>
+              <a:t>13/03/2023</a:t>
             </a:fld>
             <a:endParaRPr lang="es-ES"/>
           </a:p>
@@ -6789,7 +6791,7 @@
           <p:cNvPr id="2" name="Título 1">
             <a:extLst>
               <a:ext uri="{FF2B5EF4-FFF2-40B4-BE49-F238E27FC236}">
-                <a16:creationId xmlns:a16="http://schemas.microsoft.com/office/drawing/2014/main" id="{E70CE169-A2A2-82E3-2787-353F588F09AA}"/>
+                <a16:creationId xmlns:a16="http://schemas.microsoft.com/office/drawing/2014/main" id="{5F73B052-A506-A0DC-0FD4-4CE65E555A83}"/>
               </a:ext>
             </a:extLst>
           </p:cNvPr>
@@ -6814,10 +6816,10 @@
       </p:sp>
       <p:sp>
         <p:nvSpPr>
-          <p:cNvPr id="3" name="Marcador de contenido 2">
+          <p:cNvPr id="4" name="Marcador de texto 3">
             <a:extLst>
               <a:ext uri="{FF2B5EF4-FFF2-40B4-BE49-F238E27FC236}">
-                <a16:creationId xmlns:a16="http://schemas.microsoft.com/office/drawing/2014/main" id="{C5D9CC98-E3FD-1773-2821-6B4EAEF46B79}"/>
+                <a16:creationId xmlns:a16="http://schemas.microsoft.com/office/drawing/2014/main" id="{5367A334-FAD6-9CFF-1D4F-0DDAFC5E66E5}"/>
               </a:ext>
             </a:extLst>
           </p:cNvPr>
@@ -6825,78 +6827,27 @@
             <a:spLocks noGrp="1"/>
           </p:cNvSpPr>
           <p:nvPr>
-            <p:ph sz="quarter" idx="13"/>
+            <p:ph type="body" idx="1"/>
           </p:nvPr>
         </p:nvSpPr>
         <p:spPr/>
         <p:txBody>
-          <a:bodyPr>
-            <a:normAutofit lnSpcReduction="10000"/>
-          </a:bodyPr>
-          <a:lstStyle/>
-          <a:p>
-            <a:r>
-              <a:rPr lang="es-ES" dirty="0"/>
-              <a:t>Huir de absolutismos y fanatismos</a:t>
-            </a:r>
-          </a:p>
-          <a:p>
-            <a:r>
-              <a:rPr lang="es-ES" dirty="0"/>
-              <a:t>Especializarse, no casarse</a:t>
-            </a:r>
-          </a:p>
-          <a:p>
-            <a:r>
-              <a:rPr lang="es-ES" dirty="0"/>
-              <a:t>Aprendizaje constante</a:t>
-            </a:r>
-          </a:p>
-          <a:p>
-            <a:r>
-              <a:rPr lang="es-ES" dirty="0"/>
-              <a:t>Visitar </a:t>
-            </a:r>
-            <a:r>
-              <a:rPr lang="es-ES" dirty="0" err="1"/>
-              <a:t>notep</a:t>
-            </a:r>
-            <a:endParaRPr lang="es-ES" dirty="0"/>
-          </a:p>
-          <a:p>
-            <a:r>
-              <a:rPr lang="es-ES" dirty="0"/>
-              <a:t>Dev </a:t>
-            </a:r>
-            <a:r>
-              <a:rPr lang="es-ES" dirty="0" err="1"/>
-              <a:t>ops</a:t>
-            </a:r>
-            <a:r>
-              <a:rPr lang="es-ES" dirty="0"/>
-              <a:t> (Azure Devops)</a:t>
-            </a:r>
-          </a:p>
-          <a:p>
-            <a:r>
-              <a:rPr lang="es-ES" dirty="0"/>
-              <a:t>Pet Projects</a:t>
-            </a:r>
-          </a:p>
-          <a:p>
-            <a:r>
-              <a:rPr lang="es-ES" dirty="0"/>
-              <a:t>mentor</a:t>
-            </a:r>
-          </a:p>
-        </p:txBody>
-      </p:sp>
-      <p:sp>
-        <p:nvSpPr>
-          <p:cNvPr id="4" name="Marcador de contenido 3">
+          <a:bodyPr/>
+          <a:lstStyle/>
+          <a:p>
+            <a:r>
+              <a:rPr lang="es-ES" dirty="0"/>
+              <a:t>Sin inglés</a:t>
+            </a:r>
+          </a:p>
+        </p:txBody>
+      </p:sp>
+      <p:sp>
+        <p:nvSpPr>
+          <p:cNvPr id="6" name="Marcador de contenido 5">
             <a:extLst>
               <a:ext uri="{FF2B5EF4-FFF2-40B4-BE49-F238E27FC236}">
-                <a16:creationId xmlns:a16="http://schemas.microsoft.com/office/drawing/2014/main" id="{0285F3D9-3D6F-6413-B29F-0E6B718C84FF}"/>
+                <a16:creationId xmlns:a16="http://schemas.microsoft.com/office/drawing/2014/main" id="{BA2ED256-7AF6-78A5-77A8-4FDD4F0C45F8}"/>
               </a:ext>
             </a:extLst>
           </p:cNvPr>
@@ -6904,6 +6855,86 @@
             <a:spLocks noGrp="1"/>
           </p:cNvSpPr>
           <p:nvPr>
+            <p:ph sz="quarter" idx="13"/>
+          </p:nvPr>
+        </p:nvSpPr>
+        <p:spPr/>
+        <p:txBody>
+          <a:bodyPr/>
+          <a:lstStyle/>
+          <a:p>
+            <a:r>
+              <a:rPr lang="es-ES" dirty="0"/>
+              <a:t>45.000 €</a:t>
+            </a:r>
+          </a:p>
+          <a:p>
+            <a:r>
+              <a:rPr lang="es-ES" dirty="0"/>
+              <a:t>Remoto</a:t>
+            </a:r>
+          </a:p>
+          <a:p>
+            <a:r>
+              <a:rPr lang="es-ES" dirty="0"/>
+              <a:t>100€/mes dietas</a:t>
+            </a:r>
+          </a:p>
+          <a:p>
+            <a:r>
+              <a:rPr lang="es-ES" dirty="0"/>
+              <a:t>Bonus 5% anual</a:t>
+            </a:r>
+          </a:p>
+          <a:p>
+            <a:r>
+              <a:rPr lang="es-ES" dirty="0"/>
+              <a:t>Clientes horribles</a:t>
+            </a:r>
+          </a:p>
+        </p:txBody>
+      </p:sp>
+      <p:sp>
+        <p:nvSpPr>
+          <p:cNvPr id="5" name="Marcador de texto 4">
+            <a:extLst>
+              <a:ext uri="{FF2B5EF4-FFF2-40B4-BE49-F238E27FC236}">
+                <a16:creationId xmlns:a16="http://schemas.microsoft.com/office/drawing/2014/main" id="{AB6497DE-72D3-4900-64AB-A37044DDF12E}"/>
+              </a:ext>
+            </a:extLst>
+          </p:cNvPr>
+          <p:cNvSpPr>
+            <a:spLocks noGrp="1"/>
+          </p:cNvSpPr>
+          <p:nvPr>
+            <p:ph type="body" sz="quarter" idx="3"/>
+          </p:nvPr>
+        </p:nvSpPr>
+        <p:spPr/>
+        <p:txBody>
+          <a:bodyPr/>
+          <a:lstStyle/>
+          <a:p>
+            <a:r>
+              <a:rPr lang="es-ES" dirty="0"/>
+              <a:t>Con inglés</a:t>
+            </a:r>
+          </a:p>
+        </p:txBody>
+      </p:sp>
+      <p:sp>
+        <p:nvSpPr>
+          <p:cNvPr id="7" name="Marcador de contenido 6">
+            <a:extLst>
+              <a:ext uri="{FF2B5EF4-FFF2-40B4-BE49-F238E27FC236}">
+                <a16:creationId xmlns:a16="http://schemas.microsoft.com/office/drawing/2014/main" id="{649DA36E-6CCA-2FA2-FC76-3D0DDB77C810}"/>
+              </a:ext>
+            </a:extLst>
+          </p:cNvPr>
+          <p:cNvSpPr>
+            <a:spLocks noGrp="1"/>
+          </p:cNvSpPr>
+          <p:nvPr>
             <p:ph sz="quarter" idx="14"/>
           </p:nvPr>
         </p:nvSpPr>
@@ -6914,36 +6945,39 @@
           <a:p>
             <a:r>
               <a:rPr lang="es-ES" dirty="0"/>
-              <a:t>Comunidad</a:t>
-            </a:r>
-          </a:p>
-          <a:p>
-            <a:r>
-              <a:rPr lang="es-ES" dirty="0"/>
-              <a:t>GitHub</a:t>
-            </a:r>
-          </a:p>
-          <a:p>
-            <a:r>
-              <a:rPr lang="es-ES" dirty="0"/>
-              <a:t>comunidad</a:t>
-            </a:r>
-          </a:p>
-          <a:p>
-            <a:r>
-              <a:rPr lang="es-ES" dirty="0"/>
-              <a:t>colaborar en NoTEP</a:t>
-            </a:r>
-          </a:p>
-          <a:p>
-            <a:endParaRPr lang="es-ES" dirty="0"/>
+              <a:t>90.000 €</a:t>
+            </a:r>
+          </a:p>
+          <a:p>
+            <a:r>
+              <a:rPr lang="es-ES" dirty="0"/>
+              <a:t>Híbrido/remoto</a:t>
+            </a:r>
+          </a:p>
+          <a:p>
+            <a:r>
+              <a:rPr lang="es-ES" dirty="0"/>
+              <a:t>NS/NC</a:t>
+            </a:r>
+          </a:p>
+          <a:p>
+            <a:r>
+              <a:rPr lang="es-ES" dirty="0"/>
+              <a:t>Bonus 10-20% anual</a:t>
+            </a:r>
+          </a:p>
+          <a:p>
+            <a:r>
+              <a:rPr lang="es-ES" dirty="0"/>
+              <a:t>Clientes seleccionados</a:t>
+            </a:r>
           </a:p>
         </p:txBody>
       </p:sp>
     </p:spTree>
     <p:extLst>
       <p:ext uri="{BB962C8B-B14F-4D97-AF65-F5344CB8AC3E}">
-        <p14:creationId xmlns:p14="http://schemas.microsoft.com/office/powerpoint/2010/main" val="2924053449"/>
+        <p14:creationId xmlns:p14="http://schemas.microsoft.com/office/powerpoint/2010/main" val="637958421"/>
       </p:ext>
     </p:extLst>
   </p:cSld>
@@ -6972,10 +7006,10 @@
       </p:grpSpPr>
       <p:sp>
         <p:nvSpPr>
-          <p:cNvPr id="5" name="Título 4">
+          <p:cNvPr id="2" name="Título 1">
             <a:extLst>
               <a:ext uri="{FF2B5EF4-FFF2-40B4-BE49-F238E27FC236}">
-                <a16:creationId xmlns:a16="http://schemas.microsoft.com/office/drawing/2014/main" id="{79A75E55-1851-873F-C450-F56FB095D7FA}"/>
+                <a16:creationId xmlns:a16="http://schemas.microsoft.com/office/drawing/2014/main" id="{C361AE10-1927-922F-FFBE-28CF0409F9DF}"/>
               </a:ext>
             </a:extLst>
           </p:cNvPr>
@@ -6993,17 +7027,17 @@
           <a:p>
             <a:r>
               <a:rPr lang="es-ES" dirty="0"/>
-              <a:t>Historia real</a:t>
-            </a:r>
-          </a:p>
-        </p:txBody>
-      </p:sp>
-      <p:sp>
-        <p:nvSpPr>
-          <p:cNvPr id="6" name="Marcador de contenido 5">
+              <a:t>Consejos III</a:t>
+            </a:r>
+          </a:p>
+        </p:txBody>
+      </p:sp>
+      <p:sp>
+        <p:nvSpPr>
+          <p:cNvPr id="7" name="Marcador de contenido 6">
             <a:extLst>
               <a:ext uri="{FF2B5EF4-FFF2-40B4-BE49-F238E27FC236}">
-                <a16:creationId xmlns:a16="http://schemas.microsoft.com/office/drawing/2014/main" id="{05C2EAEF-B9E5-9774-8F79-6A0D1FD62703}"/>
+                <a16:creationId xmlns:a16="http://schemas.microsoft.com/office/drawing/2014/main" id="{D326E832-14E3-2B3A-19A4-74F01D2FE31D}"/>
               </a:ext>
             </a:extLst>
           </p:cNvPr>
@@ -7016,28 +7050,82 @@
         </p:nvSpPr>
         <p:spPr/>
         <p:txBody>
-          <a:bodyPr/>
-          <a:lstStyle/>
-          <a:p>
-            <a:r>
-              <a:rPr lang="es-ES" dirty="0"/>
-              <a:t>Caso de una aplicación usando </a:t>
-            </a:r>
-            <a:r>
-              <a:rPr lang="es-ES" dirty="0" err="1"/>
-              <a:t>gps</a:t>
-            </a:r>
-            <a:r>
-              <a:rPr lang="es-ES" dirty="0"/>
-              <a:t> 16 horas al día sin poder cargar el dispositivo</a:t>
-            </a:r>
+          <a:bodyPr>
+            <a:normAutofit lnSpcReduction="10000"/>
+          </a:bodyPr>
+          <a:lstStyle/>
+          <a:p>
+            <a:r>
+              <a:rPr lang="es-ES" dirty="0"/>
+              <a:t>Comunidad</a:t>
+            </a:r>
+          </a:p>
+          <a:p>
+            <a:pPr lvl="1"/>
+            <a:r>
+              <a:rPr lang="es-ES" dirty="0"/>
+              <a:t>Meetups</a:t>
+            </a:r>
+          </a:p>
+          <a:p>
+            <a:pPr lvl="2"/>
+            <a:r>
+              <a:rPr lang="es-ES" dirty="0"/>
+              <a:t>16/03/22 Data Science y chatgpt</a:t>
+            </a:r>
+          </a:p>
+          <a:p>
+            <a:pPr lvl="2"/>
+            <a:r>
+              <a:rPr lang="es-ES" dirty="0"/>
+              <a:t>16/03/22 ¿Para qué quiero BackEnd?</a:t>
+            </a:r>
+          </a:p>
+          <a:p>
+            <a:pPr lvl="1"/>
+            <a:r>
+              <a:rPr lang="es-ES" dirty="0"/>
+              <a:t>Eventos</a:t>
+            </a:r>
+          </a:p>
+          <a:p>
+            <a:pPr lvl="2"/>
+            <a:r>
+              <a:rPr lang="es-ES" dirty="0"/>
+              <a:t>21/04/22 Sevilla dotnet conf</a:t>
+            </a:r>
+          </a:p>
+          <a:p>
+            <a:pPr lvl="2"/>
+            <a:r>
+              <a:rPr lang="es-ES" dirty="0"/>
+              <a:t>28/04/22 Salmorejo Tech</a:t>
+            </a:r>
+          </a:p>
+          <a:p>
+            <a:pPr lvl="2"/>
+            <a:r>
+              <a:rPr lang="es-ES" dirty="0"/>
+              <a:t>09-10/05/22 Codemotion Madrid</a:t>
+            </a:r>
+          </a:p>
+          <a:p>
+            <a:pPr lvl="2"/>
+            <a:r>
+              <a:rPr lang="es-ES" dirty="0"/>
+              <a:t>9-10/06/22 OpenSouthCode</a:t>
+            </a:r>
+          </a:p>
+          <a:p>
+            <a:pPr lvl="2"/>
+            <a:endParaRPr lang="es-ES" dirty="0"/>
           </a:p>
         </p:txBody>
       </p:sp>
     </p:spTree>
     <p:extLst>
       <p:ext uri="{BB962C8B-B14F-4D97-AF65-F5344CB8AC3E}">
-        <p14:creationId xmlns:p14="http://schemas.microsoft.com/office/powerpoint/2010/main" val="3032791298"/>
+        <p14:creationId xmlns:p14="http://schemas.microsoft.com/office/powerpoint/2010/main" val="1043114719"/>
       </p:ext>
     </p:extLst>
   </p:cSld>
@@ -7069,6 +7157,282 @@
           <p:cNvPr id="2" name="Título 1">
             <a:extLst>
               <a:ext uri="{FF2B5EF4-FFF2-40B4-BE49-F238E27FC236}">
+                <a16:creationId xmlns:a16="http://schemas.microsoft.com/office/drawing/2014/main" id="{E70CE169-A2A2-82E3-2787-353F588F09AA}"/>
+              </a:ext>
+            </a:extLst>
+          </p:cNvPr>
+          <p:cNvSpPr>
+            <a:spLocks noGrp="1"/>
+          </p:cNvSpPr>
+          <p:nvPr>
+            <p:ph type="title"/>
+          </p:nvPr>
+        </p:nvSpPr>
+        <p:spPr/>
+        <p:txBody>
+          <a:bodyPr/>
+          <a:lstStyle/>
+          <a:p>
+            <a:r>
+              <a:rPr lang="es-ES" dirty="0"/>
+              <a:t>Consejos Iv</a:t>
+            </a:r>
+          </a:p>
+        </p:txBody>
+      </p:sp>
+      <p:sp>
+        <p:nvSpPr>
+          <p:cNvPr id="3" name="Marcador de contenido 2">
+            <a:extLst>
+              <a:ext uri="{FF2B5EF4-FFF2-40B4-BE49-F238E27FC236}">
+                <a16:creationId xmlns:a16="http://schemas.microsoft.com/office/drawing/2014/main" id="{C5D9CC98-E3FD-1773-2821-6B4EAEF46B79}"/>
+              </a:ext>
+            </a:extLst>
+          </p:cNvPr>
+          <p:cNvSpPr>
+            <a:spLocks noGrp="1"/>
+          </p:cNvSpPr>
+          <p:nvPr>
+            <p:ph sz="quarter" idx="13"/>
+          </p:nvPr>
+        </p:nvSpPr>
+        <p:spPr/>
+        <p:txBody>
+          <a:bodyPr>
+            <a:normAutofit/>
+          </a:bodyPr>
+          <a:lstStyle/>
+          <a:p>
+            <a:r>
+              <a:rPr lang="es-ES" dirty="0"/>
+              <a:t>Huir de absolutismos y fanatismos</a:t>
+            </a:r>
+          </a:p>
+          <a:p>
+            <a:r>
+              <a:rPr lang="es-ES" dirty="0"/>
+              <a:t>Especializarse, no casarse</a:t>
+            </a:r>
+          </a:p>
+          <a:p>
+            <a:r>
+              <a:rPr lang="es-ES" dirty="0"/>
+              <a:t>Aprendizaje constante</a:t>
+            </a:r>
+          </a:p>
+          <a:p>
+            <a:r>
+              <a:rPr lang="es-ES" dirty="0"/>
+              <a:t>Visitar NoTEP</a:t>
+            </a:r>
+          </a:p>
+          <a:p>
+            <a:r>
+              <a:rPr lang="es-ES" dirty="0"/>
+              <a:t>Dev ops (Azure Devops)</a:t>
+            </a:r>
+          </a:p>
+          <a:p>
+            <a:r>
+              <a:rPr lang="es-ES" dirty="0"/>
+              <a:t>Pet Projects</a:t>
+            </a:r>
+          </a:p>
+        </p:txBody>
+      </p:sp>
+      <p:sp>
+        <p:nvSpPr>
+          <p:cNvPr id="4" name="Marcador de contenido 3">
+            <a:extLst>
+              <a:ext uri="{FF2B5EF4-FFF2-40B4-BE49-F238E27FC236}">
+                <a16:creationId xmlns:a16="http://schemas.microsoft.com/office/drawing/2014/main" id="{0285F3D9-3D6F-6413-B29F-0E6B718C84FF}"/>
+              </a:ext>
+            </a:extLst>
+          </p:cNvPr>
+          <p:cNvSpPr>
+            <a:spLocks noGrp="1"/>
+          </p:cNvSpPr>
+          <p:nvPr>
+            <p:ph sz="quarter" idx="14"/>
+          </p:nvPr>
+        </p:nvSpPr>
+        <p:spPr/>
+        <p:txBody>
+          <a:bodyPr/>
+          <a:lstStyle/>
+          <a:p>
+            <a:r>
+              <a:rPr lang="es-ES" dirty="0"/>
+              <a:t>Comunidad</a:t>
+            </a:r>
+          </a:p>
+          <a:p>
+            <a:r>
+              <a:rPr lang="es-ES" dirty="0"/>
+              <a:t>GitHub</a:t>
+            </a:r>
+          </a:p>
+          <a:p>
+            <a:r>
+              <a:rPr lang="es-ES" dirty="0"/>
+              <a:t>colaborar en NoTEP</a:t>
+            </a:r>
+          </a:p>
+          <a:p>
+            <a:r>
+              <a:rPr lang="es-ES" dirty="0"/>
+              <a:t>mentor</a:t>
+            </a:r>
+          </a:p>
+          <a:p>
+            <a:endParaRPr lang="es-ES" dirty="0"/>
+          </a:p>
+        </p:txBody>
+      </p:sp>
+    </p:spTree>
+    <p:extLst>
+      <p:ext uri="{BB962C8B-B14F-4D97-AF65-F5344CB8AC3E}">
+        <p14:creationId xmlns:p14="http://schemas.microsoft.com/office/powerpoint/2010/main" val="2924053449"/>
+      </p:ext>
+    </p:extLst>
+  </p:cSld>
+  <p:clrMapOvr>
+    <a:masterClrMapping/>
+  </p:clrMapOvr>
+</p:sld>
+</file>
+
+<file path=ppt/slides/slide13.xml><?xml version="1.0" encoding="utf-8"?>
+<p:sld xmlns:a="http://schemas.openxmlformats.org/drawingml/2006/main" xmlns:r="http://schemas.openxmlformats.org/officeDocument/2006/relationships" xmlns:p="http://schemas.openxmlformats.org/presentationml/2006/main">
+  <p:cSld>
+    <p:spTree>
+      <p:nvGrpSpPr>
+        <p:cNvPr id="1" name=""/>
+        <p:cNvGrpSpPr/>
+        <p:nvPr/>
+      </p:nvGrpSpPr>
+      <p:grpSpPr>
+        <a:xfrm>
+          <a:off x="0" y="0"/>
+          <a:ext cx="0" cy="0"/>
+          <a:chOff x="0" y="0"/>
+          <a:chExt cx="0" cy="0"/>
+        </a:xfrm>
+      </p:grpSpPr>
+      <p:sp>
+        <p:nvSpPr>
+          <p:cNvPr id="5" name="Título 4">
+            <a:extLst>
+              <a:ext uri="{FF2B5EF4-FFF2-40B4-BE49-F238E27FC236}">
+                <a16:creationId xmlns:a16="http://schemas.microsoft.com/office/drawing/2014/main" id="{79A75E55-1851-873F-C450-F56FB095D7FA}"/>
+              </a:ext>
+            </a:extLst>
+          </p:cNvPr>
+          <p:cNvSpPr>
+            <a:spLocks noGrp="1"/>
+          </p:cNvSpPr>
+          <p:nvPr>
+            <p:ph type="title"/>
+          </p:nvPr>
+        </p:nvSpPr>
+        <p:spPr/>
+        <p:txBody>
+          <a:bodyPr/>
+          <a:lstStyle/>
+          <a:p>
+            <a:r>
+              <a:rPr lang="es-ES" dirty="0"/>
+              <a:t>Historia real</a:t>
+            </a:r>
+          </a:p>
+        </p:txBody>
+      </p:sp>
+      <p:sp>
+        <p:nvSpPr>
+          <p:cNvPr id="6" name="Marcador de contenido 5">
+            <a:extLst>
+              <a:ext uri="{FF2B5EF4-FFF2-40B4-BE49-F238E27FC236}">
+                <a16:creationId xmlns:a16="http://schemas.microsoft.com/office/drawing/2014/main" id="{05C2EAEF-B9E5-9774-8F79-6A0D1FD62703}"/>
+              </a:ext>
+            </a:extLst>
+          </p:cNvPr>
+          <p:cNvSpPr>
+            <a:spLocks noGrp="1"/>
+          </p:cNvSpPr>
+          <p:nvPr>
+            <p:ph sz="quarter" idx="13"/>
+          </p:nvPr>
+        </p:nvSpPr>
+        <p:spPr/>
+        <p:txBody>
+          <a:bodyPr>
+            <a:normAutofit/>
+          </a:bodyPr>
+          <a:lstStyle/>
+          <a:p>
+            <a:r>
+              <a:rPr lang="es-ES" sz="3200" dirty="0"/>
+              <a:t>Caso real</a:t>
+            </a:r>
+          </a:p>
+          <a:p>
+            <a:pPr lvl="1"/>
+            <a:r>
+              <a:rPr lang="es-ES" sz="3000" dirty="0"/>
+              <a:t>aplicación usando GPS</a:t>
+            </a:r>
+          </a:p>
+          <a:p>
+            <a:pPr lvl="1"/>
+            <a:r>
+              <a:rPr lang="es-ES" sz="3000" dirty="0"/>
+              <a:t>Media de 16 horas al día</a:t>
+            </a:r>
+          </a:p>
+          <a:p>
+            <a:pPr lvl="1"/>
+            <a:r>
+              <a:rPr lang="es-ES" sz="3000" dirty="0"/>
+              <a:t>sin poder cargar el dispositivo</a:t>
+            </a:r>
+          </a:p>
+        </p:txBody>
+      </p:sp>
+    </p:spTree>
+    <p:extLst>
+      <p:ext uri="{BB962C8B-B14F-4D97-AF65-F5344CB8AC3E}">
+        <p14:creationId xmlns:p14="http://schemas.microsoft.com/office/powerpoint/2010/main" val="3032791298"/>
+      </p:ext>
+    </p:extLst>
+  </p:cSld>
+  <p:clrMapOvr>
+    <a:masterClrMapping/>
+  </p:clrMapOvr>
+</p:sld>
+</file>
+
+<file path=ppt/slides/slide14.xml><?xml version="1.0" encoding="utf-8"?>
+<p:sld xmlns:a="http://schemas.openxmlformats.org/drawingml/2006/main" xmlns:r="http://schemas.openxmlformats.org/officeDocument/2006/relationships" xmlns:p="http://schemas.openxmlformats.org/presentationml/2006/main">
+  <p:cSld>
+    <p:spTree>
+      <p:nvGrpSpPr>
+        <p:cNvPr id="1" name=""/>
+        <p:cNvGrpSpPr/>
+        <p:nvPr/>
+      </p:nvGrpSpPr>
+      <p:grpSpPr>
+        <a:xfrm>
+          <a:off x="0" y="0"/>
+          <a:ext cx="0" cy="0"/>
+          <a:chOff x="0" y="0"/>
+          <a:chExt cx="0" cy="0"/>
+        </a:xfrm>
+      </p:grpSpPr>
+      <p:sp>
+        <p:nvSpPr>
+          <p:cNvPr id="2" name="Título 1">
+            <a:extLst>
+              <a:ext uri="{FF2B5EF4-FFF2-40B4-BE49-F238E27FC236}">
                 <a16:creationId xmlns:a16="http://schemas.microsoft.com/office/drawing/2014/main" id="{E0ADF51C-9BA8-E656-F010-5B85FA8194C0}"/>
               </a:ext>
             </a:extLst>
@@ -7086,8 +7450,12 @@
           <a:lstStyle/>
           <a:p>
             <a:r>
-              <a:rPr lang="es-ES" dirty="0"/>
-              <a:t>Contacto y Preguntas</a:t>
+              <a:rPr lang="es-ES" u="sng" dirty="0"/>
+              <a:t>Contacto</a:t>
+            </a:r>
+            <a:r>
+              <a:rPr lang="es-ES" dirty="0"/>
+              <a:t> y Preguntas</a:t>
             </a:r>
           </a:p>
         </p:txBody>
@@ -8454,19 +8822,30 @@
           </a:p>
           <a:p>
             <a:r>
+              <a:rPr lang="es-ES" dirty="0"/>
+              <a:t>Fork</a:t>
+            </a:r>
+          </a:p>
+          <a:p>
+            <a:r>
+              <a:rPr lang="es-ES" dirty="0"/>
+              <a:t>Git kraken</a:t>
+            </a:r>
+          </a:p>
+          <a:p>
+            <a:r>
+              <a:rPr lang="es-ES" dirty="0"/>
+              <a:t>Sourcetree</a:t>
+            </a:r>
+          </a:p>
+          <a:p>
+            <a:r>
+              <a:rPr lang="es-ES" dirty="0"/>
+              <a:t>Git para Visual </a:t>
+            </a:r>
+            <a:r>
               <a:rPr lang="es-ES" dirty="0" err="1"/>
-              <a:t>Fork</a:t>
-            </a:r>
-            <a:endParaRPr lang="es-ES" dirty="0"/>
-          </a:p>
-          <a:p>
-            <a:r>
-              <a:rPr lang="es-ES" dirty="0"/>
-              <a:t>Git </a:t>
-            </a:r>
-            <a:r>
-              <a:rPr lang="es-ES" dirty="0" err="1"/>
-              <a:t>kraken</a:t>
+              <a:t>studio</a:t>
             </a:r>
             <a:endParaRPr lang="es-ES" dirty="0"/>
           </a:p>

--- a/2023-03 Mundo laboral con DotNet/Presentación.pptx
+++ b/2023-03 Mundo laboral con DotNet/Presentación.pptx
@@ -5,7 +5,7 @@
     <p:sldMasterId id="2147483660" r:id="rId1"/>
   </p:sldMasterIdLst>
   <p:notesMasterIdLst>
-    <p:notesMasterId r:id="rId16"/>
+    <p:notesMasterId r:id="rId15"/>
   </p:notesMasterIdLst>
   <p:sldIdLst>
     <p:sldId id="256" r:id="rId2"/>
@@ -17,11 +17,10 @@
     <p:sldId id="263" r:id="rId8"/>
     <p:sldId id="269" r:id="rId9"/>
     <p:sldId id="267" r:id="rId10"/>
-    <p:sldId id="270" r:id="rId11"/>
-    <p:sldId id="271" r:id="rId12"/>
-    <p:sldId id="264" r:id="rId13"/>
-    <p:sldId id="268" r:id="rId14"/>
-    <p:sldId id="265" r:id="rId15"/>
+    <p:sldId id="271" r:id="rId11"/>
+    <p:sldId id="264" r:id="rId12"/>
+    <p:sldId id="268" r:id="rId13"/>
+    <p:sldId id="265" r:id="rId14"/>
   </p:sldIdLst>
   <p:sldSz cx="12192000" cy="6858000"/>
   <p:notesSz cx="6858000" cy="9144000"/>
@@ -210,7 +209,7 @@
           <a:p>
             <a:fld id="{89825460-B0B2-4AFD-8EDA-BC22F2C33A39}" type="datetimeFigureOut">
               <a:rPr lang="es-ES" smtClean="0"/>
-              <a:t>13/03/2023</a:t>
+              <a:t>14/03/2023</a:t>
             </a:fld>
             <a:endParaRPr lang="es-ES"/>
           </a:p>
@@ -930,7 +929,7 @@
           <a:p>
             <a:fld id="{811967B5-D1BE-4D0A-8E83-B0394D6FED3F}" type="datetimeFigureOut">
               <a:rPr lang="es-ES" smtClean="0"/>
-              <a:t>13/03/2023</a:t>
+              <a:t>14/03/2023</a:t>
             </a:fld>
             <a:endParaRPr lang="es-ES"/>
           </a:p>
@@ -1262,7 +1261,7 @@
           <a:p>
             <a:fld id="{811967B5-D1BE-4D0A-8E83-B0394D6FED3F}" type="datetimeFigureOut">
               <a:rPr lang="es-ES" smtClean="0"/>
-              <a:t>13/03/2023</a:t>
+              <a:t>14/03/2023</a:t>
             </a:fld>
             <a:endParaRPr lang="es-ES"/>
           </a:p>
@@ -1458,7 +1457,7 @@
           <a:p>
             <a:fld id="{811967B5-D1BE-4D0A-8E83-B0394D6FED3F}" type="datetimeFigureOut">
               <a:rPr lang="es-ES" smtClean="0"/>
-              <a:t>13/03/2023</a:t>
+              <a:t>14/03/2023</a:t>
             </a:fld>
             <a:endParaRPr lang="es-ES"/>
           </a:p>
@@ -1728,7 +1727,7 @@
           <a:p>
             <a:fld id="{811967B5-D1BE-4D0A-8E83-B0394D6FED3F}" type="datetimeFigureOut">
               <a:rPr lang="es-ES" smtClean="0"/>
-              <a:t>13/03/2023</a:t>
+              <a:t>14/03/2023</a:t>
             </a:fld>
             <a:endParaRPr lang="es-ES"/>
           </a:p>
@@ -2156,7 +2155,7 @@
           <a:p>
             <a:fld id="{811967B5-D1BE-4D0A-8E83-B0394D6FED3F}" type="datetimeFigureOut">
               <a:rPr lang="es-ES" smtClean="0"/>
-              <a:t>13/03/2023</a:t>
+              <a:t>14/03/2023</a:t>
             </a:fld>
             <a:endParaRPr lang="es-ES"/>
           </a:p>
@@ -2706,7 +2705,7 @@
           <a:p>
             <a:fld id="{811967B5-D1BE-4D0A-8E83-B0394D6FED3F}" type="datetimeFigureOut">
               <a:rPr lang="es-ES" smtClean="0"/>
-              <a:t>13/03/2023</a:t>
+              <a:t>14/03/2023</a:t>
             </a:fld>
             <a:endParaRPr lang="es-ES"/>
           </a:p>
@@ -3496,7 +3495,7 @@
           <a:p>
             <a:fld id="{811967B5-D1BE-4D0A-8E83-B0394D6FED3F}" type="datetimeFigureOut">
               <a:rPr lang="es-ES" smtClean="0"/>
-              <a:t>13/03/2023</a:t>
+              <a:t>14/03/2023</a:t>
             </a:fld>
             <a:endParaRPr lang="es-ES"/>
           </a:p>
@@ -3675,7 +3674,7 @@
           <a:p>
             <a:fld id="{811967B5-D1BE-4D0A-8E83-B0394D6FED3F}" type="datetimeFigureOut">
               <a:rPr lang="es-ES" smtClean="0"/>
-              <a:t>13/03/2023</a:t>
+              <a:t>14/03/2023</a:t>
             </a:fld>
             <a:endParaRPr lang="es-ES"/>
           </a:p>
@@ -3859,7 +3858,7 @@
           <a:p>
             <a:fld id="{811967B5-D1BE-4D0A-8E83-B0394D6FED3F}" type="datetimeFigureOut">
               <a:rPr lang="es-ES" smtClean="0"/>
-              <a:t>13/03/2023</a:t>
+              <a:t>14/03/2023</a:t>
             </a:fld>
             <a:endParaRPr lang="es-ES"/>
           </a:p>
@@ -4045,7 +4044,7 @@
           <a:p>
             <a:fld id="{811967B5-D1BE-4D0A-8E83-B0394D6FED3F}" type="datetimeFigureOut">
               <a:rPr lang="es-ES" smtClean="0"/>
-              <a:t>13/03/2023</a:t>
+              <a:t>14/03/2023</a:t>
             </a:fld>
             <a:endParaRPr lang="es-ES"/>
           </a:p>
@@ -4232,7 +4231,7 @@
           <a:p>
             <a:fld id="{811967B5-D1BE-4D0A-8E83-B0394D6FED3F}" type="datetimeFigureOut">
               <a:rPr lang="es-ES" smtClean="0"/>
-              <a:t>13/03/2023</a:t>
+              <a:t>14/03/2023</a:t>
             </a:fld>
             <a:endParaRPr lang="es-ES"/>
           </a:p>
@@ -4482,7 +4481,7 @@
           <a:p>
             <a:fld id="{811967B5-D1BE-4D0A-8E83-B0394D6FED3F}" type="datetimeFigureOut">
               <a:rPr lang="es-ES" smtClean="0"/>
-              <a:t>13/03/2023</a:t>
+              <a:t>14/03/2023</a:t>
             </a:fld>
             <a:endParaRPr lang="es-ES"/>
           </a:p>
@@ -4719,7 +4718,7 @@
           <a:p>
             <a:fld id="{811967B5-D1BE-4D0A-8E83-B0394D6FED3F}" type="datetimeFigureOut">
               <a:rPr lang="es-ES" smtClean="0"/>
-              <a:t>13/03/2023</a:t>
+              <a:t>14/03/2023</a:t>
             </a:fld>
             <a:endParaRPr lang="es-ES"/>
           </a:p>
@@ -5104,7 +5103,7 @@
           <a:p>
             <a:fld id="{811967B5-D1BE-4D0A-8E83-B0394D6FED3F}" type="datetimeFigureOut">
               <a:rPr lang="es-ES" smtClean="0"/>
-              <a:t>13/03/2023</a:t>
+              <a:t>14/03/2023</a:t>
             </a:fld>
             <a:endParaRPr lang="es-ES"/>
           </a:p>
@@ -5222,7 +5221,7 @@
           <a:p>
             <a:fld id="{811967B5-D1BE-4D0A-8E83-B0394D6FED3F}" type="datetimeFigureOut">
               <a:rPr lang="es-ES" smtClean="0"/>
-              <a:t>13/03/2023</a:t>
+              <a:t>14/03/2023</a:t>
             </a:fld>
             <a:endParaRPr lang="es-ES"/>
           </a:p>
@@ -5317,7 +5316,7 @@
           <a:p>
             <a:fld id="{811967B5-D1BE-4D0A-8E83-B0394D6FED3F}" type="datetimeFigureOut">
               <a:rPr lang="es-ES" smtClean="0"/>
-              <a:t>13/03/2023</a:t>
+              <a:t>14/03/2023</a:t>
             </a:fld>
             <a:endParaRPr lang="es-ES"/>
           </a:p>
@@ -5570,7 +5569,7 @@
           <a:p>
             <a:fld id="{811967B5-D1BE-4D0A-8E83-B0394D6FED3F}" type="datetimeFigureOut">
               <a:rPr lang="es-ES" smtClean="0"/>
-              <a:t>13/03/2023</a:t>
+              <a:t>14/03/2023</a:t>
             </a:fld>
             <a:endParaRPr lang="es-ES"/>
           </a:p>
@@ -5839,7 +5838,7 @@
           <a:p>
             <a:fld id="{811967B5-D1BE-4D0A-8E83-B0394D6FED3F}" type="datetimeFigureOut">
               <a:rPr lang="es-ES" smtClean="0"/>
-              <a:t>13/03/2023</a:t>
+              <a:t>14/03/2023</a:t>
             </a:fld>
             <a:endParaRPr lang="es-ES"/>
           </a:p>
@@ -6242,7 +6241,7 @@
           <a:p>
             <a:fld id="{811967B5-D1BE-4D0A-8E83-B0394D6FED3F}" type="datetimeFigureOut">
               <a:rPr lang="es-ES" smtClean="0"/>
-              <a:t>13/03/2023</a:t>
+              <a:t>14/03/2023</a:t>
             </a:fld>
             <a:endParaRPr lang="es-ES"/>
           </a:p>
@@ -6791,7 +6790,7 @@
           <p:cNvPr id="2" name="Título 1">
             <a:extLst>
               <a:ext uri="{FF2B5EF4-FFF2-40B4-BE49-F238E27FC236}">
-                <a16:creationId xmlns:a16="http://schemas.microsoft.com/office/drawing/2014/main" id="{5F73B052-A506-A0DC-0FD4-4CE65E555A83}"/>
+                <a16:creationId xmlns:a16="http://schemas.microsoft.com/office/drawing/2014/main" id="{C361AE10-1927-922F-FFBE-28CF0409F9DF}"/>
               </a:ext>
             </a:extLst>
           </p:cNvPr>
@@ -6816,10 +6815,10 @@
       </p:sp>
       <p:sp>
         <p:nvSpPr>
-          <p:cNvPr id="4" name="Marcador de texto 3">
+          <p:cNvPr id="7" name="Marcador de contenido 6">
             <a:extLst>
               <a:ext uri="{FF2B5EF4-FFF2-40B4-BE49-F238E27FC236}">
-                <a16:creationId xmlns:a16="http://schemas.microsoft.com/office/drawing/2014/main" id="{5367A334-FAD6-9CFF-1D4F-0DDAFC5E66E5}"/>
+                <a16:creationId xmlns:a16="http://schemas.microsoft.com/office/drawing/2014/main" id="{D326E832-14E3-2B3A-19A4-74F01D2FE31D}"/>
               </a:ext>
             </a:extLst>
           </p:cNvPr>
@@ -6827,157 +6826,87 @@
             <a:spLocks noGrp="1"/>
           </p:cNvSpPr>
           <p:nvPr>
-            <p:ph type="body" idx="1"/>
+            <p:ph sz="quarter" idx="13"/>
           </p:nvPr>
         </p:nvSpPr>
         <p:spPr/>
         <p:txBody>
-          <a:bodyPr/>
-          <a:lstStyle/>
-          <a:p>
-            <a:r>
-              <a:rPr lang="es-ES" dirty="0"/>
-              <a:t>Sin inglés</a:t>
-            </a:r>
-          </a:p>
-        </p:txBody>
-      </p:sp>
-      <p:sp>
-        <p:nvSpPr>
-          <p:cNvPr id="6" name="Marcador de contenido 5">
-            <a:extLst>
-              <a:ext uri="{FF2B5EF4-FFF2-40B4-BE49-F238E27FC236}">
-                <a16:creationId xmlns:a16="http://schemas.microsoft.com/office/drawing/2014/main" id="{BA2ED256-7AF6-78A5-77A8-4FDD4F0C45F8}"/>
-              </a:ext>
-            </a:extLst>
-          </p:cNvPr>
-          <p:cNvSpPr>
-            <a:spLocks noGrp="1"/>
-          </p:cNvSpPr>
-          <p:nvPr>
-            <p:ph sz="quarter" idx="13"/>
-          </p:nvPr>
-        </p:nvSpPr>
-        <p:spPr/>
-        <p:txBody>
-          <a:bodyPr/>
-          <a:lstStyle/>
-          <a:p>
-            <a:r>
-              <a:rPr lang="es-ES" dirty="0"/>
-              <a:t>45.000 €</a:t>
-            </a:r>
-          </a:p>
-          <a:p>
-            <a:r>
-              <a:rPr lang="es-ES" dirty="0"/>
-              <a:t>Remoto</a:t>
-            </a:r>
-          </a:p>
-          <a:p>
-            <a:r>
-              <a:rPr lang="es-ES" dirty="0"/>
-              <a:t>100€/mes dietas</a:t>
-            </a:r>
-          </a:p>
-          <a:p>
-            <a:r>
-              <a:rPr lang="es-ES" dirty="0"/>
-              <a:t>Bonus 5% anual</a:t>
-            </a:r>
-          </a:p>
-          <a:p>
-            <a:r>
-              <a:rPr lang="es-ES" dirty="0"/>
-              <a:t>Clientes horribles</a:t>
-            </a:r>
-          </a:p>
-        </p:txBody>
-      </p:sp>
-      <p:sp>
-        <p:nvSpPr>
-          <p:cNvPr id="5" name="Marcador de texto 4">
-            <a:extLst>
-              <a:ext uri="{FF2B5EF4-FFF2-40B4-BE49-F238E27FC236}">
-                <a16:creationId xmlns:a16="http://schemas.microsoft.com/office/drawing/2014/main" id="{AB6497DE-72D3-4900-64AB-A37044DDF12E}"/>
-              </a:ext>
-            </a:extLst>
-          </p:cNvPr>
-          <p:cNvSpPr>
-            <a:spLocks noGrp="1"/>
-          </p:cNvSpPr>
-          <p:nvPr>
-            <p:ph type="body" sz="quarter" idx="3"/>
-          </p:nvPr>
-        </p:nvSpPr>
-        <p:spPr/>
-        <p:txBody>
-          <a:bodyPr/>
-          <a:lstStyle/>
-          <a:p>
-            <a:r>
-              <a:rPr lang="es-ES" dirty="0"/>
-              <a:t>Con inglés</a:t>
-            </a:r>
-          </a:p>
-        </p:txBody>
-      </p:sp>
-      <p:sp>
-        <p:nvSpPr>
-          <p:cNvPr id="7" name="Marcador de contenido 6">
-            <a:extLst>
-              <a:ext uri="{FF2B5EF4-FFF2-40B4-BE49-F238E27FC236}">
-                <a16:creationId xmlns:a16="http://schemas.microsoft.com/office/drawing/2014/main" id="{649DA36E-6CCA-2FA2-FC76-3D0DDB77C810}"/>
-              </a:ext>
-            </a:extLst>
-          </p:cNvPr>
-          <p:cNvSpPr>
-            <a:spLocks noGrp="1"/>
-          </p:cNvSpPr>
-          <p:nvPr>
-            <p:ph sz="quarter" idx="14"/>
-          </p:nvPr>
-        </p:nvSpPr>
-        <p:spPr/>
-        <p:txBody>
-          <a:bodyPr/>
-          <a:lstStyle/>
-          <a:p>
-            <a:r>
-              <a:rPr lang="es-ES" dirty="0"/>
-              <a:t>90.000 €</a:t>
-            </a:r>
-          </a:p>
-          <a:p>
-            <a:r>
-              <a:rPr lang="es-ES" dirty="0"/>
-              <a:t>Híbrido/remoto</a:t>
-            </a:r>
-          </a:p>
-          <a:p>
-            <a:r>
-              <a:rPr lang="es-ES" dirty="0"/>
-              <a:t>NS/NC</a:t>
-            </a:r>
-          </a:p>
-          <a:p>
-            <a:r>
-              <a:rPr lang="es-ES" dirty="0"/>
-              <a:t>Bonus 10-20% anual</a:t>
-            </a:r>
-          </a:p>
-          <a:p>
-            <a:r>
-              <a:rPr lang="es-ES" dirty="0"/>
-              <a:t>Clientes seleccionados</a:t>
-            </a:r>
+          <a:bodyPr>
+            <a:normAutofit lnSpcReduction="10000"/>
+          </a:bodyPr>
+          <a:lstStyle/>
+          <a:p>
+            <a:r>
+              <a:rPr lang="es-ES" dirty="0"/>
+              <a:t>Comunidad</a:t>
+            </a:r>
+          </a:p>
+          <a:p>
+            <a:pPr lvl="1"/>
+            <a:r>
+              <a:rPr lang="es-ES" dirty="0"/>
+              <a:t>Meetups</a:t>
+            </a:r>
+          </a:p>
+          <a:p>
+            <a:pPr lvl="2"/>
+            <a:r>
+              <a:rPr lang="es-ES" dirty="0"/>
+              <a:t>16/03/22 Data Science y chatgpt</a:t>
+            </a:r>
+          </a:p>
+          <a:p>
+            <a:pPr lvl="2"/>
+            <a:r>
+              <a:rPr lang="es-ES" dirty="0"/>
+              <a:t>16/03/22 ¿Para qué quiero BackEnd?</a:t>
+            </a:r>
+          </a:p>
+          <a:p>
+            <a:pPr lvl="1"/>
+            <a:r>
+              <a:rPr lang="es-ES" dirty="0"/>
+              <a:t>Eventos</a:t>
+            </a:r>
+          </a:p>
+          <a:p>
+            <a:pPr lvl="2"/>
+            <a:r>
+              <a:rPr lang="es-ES" dirty="0"/>
+              <a:t>21/04/22 Sevilla dotnet conf</a:t>
+            </a:r>
+          </a:p>
+          <a:p>
+            <a:pPr lvl="2"/>
+            <a:r>
+              <a:rPr lang="es-ES" dirty="0"/>
+              <a:t>28/04/22 Salmorejo Tech</a:t>
+            </a:r>
+          </a:p>
+          <a:p>
+            <a:pPr lvl="2"/>
+            <a:r>
+              <a:rPr lang="es-ES" dirty="0"/>
+              <a:t>09-10/05/22 Codemotion Madrid</a:t>
+            </a:r>
+          </a:p>
+          <a:p>
+            <a:pPr lvl="2"/>
+            <a:r>
+              <a:rPr lang="es-ES" dirty="0"/>
+              <a:t>9-10/06/22 OpenSouthCode</a:t>
+            </a:r>
+          </a:p>
+          <a:p>
+            <a:pPr lvl="2"/>
+            <a:endParaRPr lang="es-ES" dirty="0"/>
           </a:p>
         </p:txBody>
       </p:sp>
     </p:spTree>
     <p:extLst>
       <p:ext uri="{BB962C8B-B14F-4D97-AF65-F5344CB8AC3E}">
-        <p14:creationId xmlns:p14="http://schemas.microsoft.com/office/powerpoint/2010/main" val="637958421"/>
+        <p14:creationId xmlns:p14="http://schemas.microsoft.com/office/powerpoint/2010/main" val="1043114719"/>
       </p:ext>
     </p:extLst>
   </p:cSld>
@@ -7009,7 +6938,7 @@
           <p:cNvPr id="2" name="Título 1">
             <a:extLst>
               <a:ext uri="{FF2B5EF4-FFF2-40B4-BE49-F238E27FC236}">
-                <a16:creationId xmlns:a16="http://schemas.microsoft.com/office/drawing/2014/main" id="{C361AE10-1927-922F-FFBE-28CF0409F9DF}"/>
+                <a16:creationId xmlns:a16="http://schemas.microsoft.com/office/drawing/2014/main" id="{E70CE169-A2A2-82E3-2787-353F588F09AA}"/>
               </a:ext>
             </a:extLst>
           </p:cNvPr>
@@ -7034,10 +6963,10 @@
       </p:sp>
       <p:sp>
         <p:nvSpPr>
-          <p:cNvPr id="7" name="Marcador de contenido 6">
+          <p:cNvPr id="3" name="Marcador de contenido 2">
             <a:extLst>
               <a:ext uri="{FF2B5EF4-FFF2-40B4-BE49-F238E27FC236}">
-                <a16:creationId xmlns:a16="http://schemas.microsoft.com/office/drawing/2014/main" id="{D326E832-14E3-2B3A-19A4-74F01D2FE31D}"/>
+                <a16:creationId xmlns:a16="http://schemas.microsoft.com/office/drawing/2014/main" id="{C5D9CC98-E3FD-1773-2821-6B4EAEF46B79}"/>
               </a:ext>
             </a:extLst>
           </p:cNvPr>
@@ -7051,73 +6980,92 @@
         <p:spPr/>
         <p:txBody>
           <a:bodyPr>
-            <a:normAutofit lnSpcReduction="10000"/>
+            <a:normAutofit/>
           </a:bodyPr>
           <a:lstStyle/>
           <a:p>
             <a:r>
               <a:rPr lang="es-ES" dirty="0"/>
+              <a:t>Huir de absolutismos y fanatismos</a:t>
+            </a:r>
+          </a:p>
+          <a:p>
+            <a:r>
+              <a:rPr lang="es-ES" dirty="0"/>
+              <a:t>Especializarse, no casarse</a:t>
+            </a:r>
+          </a:p>
+          <a:p>
+            <a:r>
+              <a:rPr lang="es-ES" dirty="0"/>
+              <a:t>Aprendizaje constante</a:t>
+            </a:r>
+          </a:p>
+          <a:p>
+            <a:r>
+              <a:rPr lang="es-ES" dirty="0"/>
+              <a:t>Visitar NoTEP</a:t>
+            </a:r>
+          </a:p>
+          <a:p>
+            <a:r>
+              <a:rPr lang="es-ES" dirty="0"/>
+              <a:t>Dev ops (Azure Devops)</a:t>
+            </a:r>
+          </a:p>
+          <a:p>
+            <a:r>
+              <a:rPr lang="es-ES" dirty="0"/>
+              <a:t>Pet Projects</a:t>
+            </a:r>
+          </a:p>
+        </p:txBody>
+      </p:sp>
+      <p:sp>
+        <p:nvSpPr>
+          <p:cNvPr id="4" name="Marcador de contenido 3">
+            <a:extLst>
+              <a:ext uri="{FF2B5EF4-FFF2-40B4-BE49-F238E27FC236}">
+                <a16:creationId xmlns:a16="http://schemas.microsoft.com/office/drawing/2014/main" id="{0285F3D9-3D6F-6413-B29F-0E6B718C84FF}"/>
+              </a:ext>
+            </a:extLst>
+          </p:cNvPr>
+          <p:cNvSpPr>
+            <a:spLocks noGrp="1"/>
+          </p:cNvSpPr>
+          <p:nvPr>
+            <p:ph sz="quarter" idx="14"/>
+          </p:nvPr>
+        </p:nvSpPr>
+        <p:spPr/>
+        <p:txBody>
+          <a:bodyPr/>
+          <a:lstStyle/>
+          <a:p>
+            <a:r>
+              <a:rPr lang="es-ES" dirty="0"/>
               <a:t>Comunidad</a:t>
             </a:r>
           </a:p>
           <a:p>
-            <a:pPr lvl="1"/>
-            <a:r>
-              <a:rPr lang="es-ES" dirty="0"/>
-              <a:t>Meetups</a:t>
-            </a:r>
-          </a:p>
-          <a:p>
-            <a:pPr lvl="2"/>
-            <a:r>
-              <a:rPr lang="es-ES" dirty="0"/>
-              <a:t>16/03/22 Data Science y chatgpt</a:t>
-            </a:r>
-          </a:p>
-          <a:p>
-            <a:pPr lvl="2"/>
-            <a:r>
-              <a:rPr lang="es-ES" dirty="0"/>
-              <a:t>16/03/22 ¿Para qué quiero BackEnd?</a:t>
-            </a:r>
-          </a:p>
-          <a:p>
-            <a:pPr lvl="1"/>
-            <a:r>
-              <a:rPr lang="es-ES" dirty="0"/>
-              <a:t>Eventos</a:t>
-            </a:r>
-          </a:p>
-          <a:p>
-            <a:pPr lvl="2"/>
-            <a:r>
-              <a:rPr lang="es-ES" dirty="0"/>
-              <a:t>21/04/22 Sevilla dotnet conf</a:t>
-            </a:r>
-          </a:p>
-          <a:p>
-            <a:pPr lvl="2"/>
-            <a:r>
-              <a:rPr lang="es-ES" dirty="0"/>
-              <a:t>28/04/22 Salmorejo Tech</a:t>
-            </a:r>
-          </a:p>
-          <a:p>
-            <a:pPr lvl="2"/>
-            <a:r>
-              <a:rPr lang="es-ES" dirty="0"/>
-              <a:t>09-10/05/22 Codemotion Madrid</a:t>
-            </a:r>
-          </a:p>
-          <a:p>
-            <a:pPr lvl="2"/>
-            <a:r>
-              <a:rPr lang="es-ES" dirty="0"/>
-              <a:t>9-10/06/22 OpenSouthCode</a:t>
-            </a:r>
-          </a:p>
-          <a:p>
-            <a:pPr lvl="2"/>
+            <a:r>
+              <a:rPr lang="es-ES" dirty="0"/>
+              <a:t>GitHub</a:t>
+            </a:r>
+          </a:p>
+          <a:p>
+            <a:r>
+              <a:rPr lang="es-ES" dirty="0"/>
+              <a:t>colaborar en NoTEP</a:t>
+            </a:r>
+          </a:p>
+          <a:p>
+            <a:r>
+              <a:rPr lang="es-ES" dirty="0"/>
+              <a:t>mentor</a:t>
+            </a:r>
+          </a:p>
+          <a:p>
             <a:endParaRPr lang="es-ES" dirty="0"/>
           </a:p>
         </p:txBody>
@@ -7125,7 +7073,7 @@
     </p:spTree>
     <p:extLst>
       <p:ext uri="{BB962C8B-B14F-4D97-AF65-F5344CB8AC3E}">
-        <p14:creationId xmlns:p14="http://schemas.microsoft.com/office/powerpoint/2010/main" val="1043114719"/>
+        <p14:creationId xmlns:p14="http://schemas.microsoft.com/office/powerpoint/2010/main" val="2924053449"/>
       </p:ext>
     </p:extLst>
   </p:cSld>
@@ -7154,173 +7102,6 @@
       </p:grpSpPr>
       <p:sp>
         <p:nvSpPr>
-          <p:cNvPr id="2" name="Título 1">
-            <a:extLst>
-              <a:ext uri="{FF2B5EF4-FFF2-40B4-BE49-F238E27FC236}">
-                <a16:creationId xmlns:a16="http://schemas.microsoft.com/office/drawing/2014/main" id="{E70CE169-A2A2-82E3-2787-353F588F09AA}"/>
-              </a:ext>
-            </a:extLst>
-          </p:cNvPr>
-          <p:cNvSpPr>
-            <a:spLocks noGrp="1"/>
-          </p:cNvSpPr>
-          <p:nvPr>
-            <p:ph type="title"/>
-          </p:nvPr>
-        </p:nvSpPr>
-        <p:spPr/>
-        <p:txBody>
-          <a:bodyPr/>
-          <a:lstStyle/>
-          <a:p>
-            <a:r>
-              <a:rPr lang="es-ES" dirty="0"/>
-              <a:t>Consejos Iv</a:t>
-            </a:r>
-          </a:p>
-        </p:txBody>
-      </p:sp>
-      <p:sp>
-        <p:nvSpPr>
-          <p:cNvPr id="3" name="Marcador de contenido 2">
-            <a:extLst>
-              <a:ext uri="{FF2B5EF4-FFF2-40B4-BE49-F238E27FC236}">
-                <a16:creationId xmlns:a16="http://schemas.microsoft.com/office/drawing/2014/main" id="{C5D9CC98-E3FD-1773-2821-6B4EAEF46B79}"/>
-              </a:ext>
-            </a:extLst>
-          </p:cNvPr>
-          <p:cNvSpPr>
-            <a:spLocks noGrp="1"/>
-          </p:cNvSpPr>
-          <p:nvPr>
-            <p:ph sz="quarter" idx="13"/>
-          </p:nvPr>
-        </p:nvSpPr>
-        <p:spPr/>
-        <p:txBody>
-          <a:bodyPr>
-            <a:normAutofit/>
-          </a:bodyPr>
-          <a:lstStyle/>
-          <a:p>
-            <a:r>
-              <a:rPr lang="es-ES" dirty="0"/>
-              <a:t>Huir de absolutismos y fanatismos</a:t>
-            </a:r>
-          </a:p>
-          <a:p>
-            <a:r>
-              <a:rPr lang="es-ES" dirty="0"/>
-              <a:t>Especializarse, no casarse</a:t>
-            </a:r>
-          </a:p>
-          <a:p>
-            <a:r>
-              <a:rPr lang="es-ES" dirty="0"/>
-              <a:t>Aprendizaje constante</a:t>
-            </a:r>
-          </a:p>
-          <a:p>
-            <a:r>
-              <a:rPr lang="es-ES" dirty="0"/>
-              <a:t>Visitar NoTEP</a:t>
-            </a:r>
-          </a:p>
-          <a:p>
-            <a:r>
-              <a:rPr lang="es-ES" dirty="0"/>
-              <a:t>Dev ops (Azure Devops)</a:t>
-            </a:r>
-          </a:p>
-          <a:p>
-            <a:r>
-              <a:rPr lang="es-ES" dirty="0"/>
-              <a:t>Pet Projects</a:t>
-            </a:r>
-          </a:p>
-        </p:txBody>
-      </p:sp>
-      <p:sp>
-        <p:nvSpPr>
-          <p:cNvPr id="4" name="Marcador de contenido 3">
-            <a:extLst>
-              <a:ext uri="{FF2B5EF4-FFF2-40B4-BE49-F238E27FC236}">
-                <a16:creationId xmlns:a16="http://schemas.microsoft.com/office/drawing/2014/main" id="{0285F3D9-3D6F-6413-B29F-0E6B718C84FF}"/>
-              </a:ext>
-            </a:extLst>
-          </p:cNvPr>
-          <p:cNvSpPr>
-            <a:spLocks noGrp="1"/>
-          </p:cNvSpPr>
-          <p:nvPr>
-            <p:ph sz="quarter" idx="14"/>
-          </p:nvPr>
-        </p:nvSpPr>
-        <p:spPr/>
-        <p:txBody>
-          <a:bodyPr/>
-          <a:lstStyle/>
-          <a:p>
-            <a:r>
-              <a:rPr lang="es-ES" dirty="0"/>
-              <a:t>Comunidad</a:t>
-            </a:r>
-          </a:p>
-          <a:p>
-            <a:r>
-              <a:rPr lang="es-ES" dirty="0"/>
-              <a:t>GitHub</a:t>
-            </a:r>
-          </a:p>
-          <a:p>
-            <a:r>
-              <a:rPr lang="es-ES" dirty="0"/>
-              <a:t>colaborar en NoTEP</a:t>
-            </a:r>
-          </a:p>
-          <a:p>
-            <a:r>
-              <a:rPr lang="es-ES" dirty="0"/>
-              <a:t>mentor</a:t>
-            </a:r>
-          </a:p>
-          <a:p>
-            <a:endParaRPr lang="es-ES" dirty="0"/>
-          </a:p>
-        </p:txBody>
-      </p:sp>
-    </p:spTree>
-    <p:extLst>
-      <p:ext uri="{BB962C8B-B14F-4D97-AF65-F5344CB8AC3E}">
-        <p14:creationId xmlns:p14="http://schemas.microsoft.com/office/powerpoint/2010/main" val="2924053449"/>
-      </p:ext>
-    </p:extLst>
-  </p:cSld>
-  <p:clrMapOvr>
-    <a:masterClrMapping/>
-  </p:clrMapOvr>
-</p:sld>
-</file>
-
-<file path=ppt/slides/slide13.xml><?xml version="1.0" encoding="utf-8"?>
-<p:sld xmlns:a="http://schemas.openxmlformats.org/drawingml/2006/main" xmlns:r="http://schemas.openxmlformats.org/officeDocument/2006/relationships" xmlns:p="http://schemas.openxmlformats.org/presentationml/2006/main">
-  <p:cSld>
-    <p:spTree>
-      <p:nvGrpSpPr>
-        <p:cNvPr id="1" name=""/>
-        <p:cNvGrpSpPr/>
-        <p:nvPr/>
-      </p:nvGrpSpPr>
-      <p:grpSpPr>
-        <a:xfrm>
-          <a:off x="0" y="0"/>
-          <a:ext cx="0" cy="0"/>
-          <a:chOff x="0" y="0"/>
-          <a:chExt cx="0" cy="0"/>
-        </a:xfrm>
-      </p:grpSpPr>
-      <p:sp>
-        <p:nvSpPr>
           <p:cNvPr id="5" name="Título 4">
             <a:extLst>
               <a:ext uri="{FF2B5EF4-FFF2-40B4-BE49-F238E27FC236}">
@@ -7411,7 +7192,7 @@
 </p:sld>
 </file>
 
-<file path=ppt/slides/slide14.xml><?xml version="1.0" encoding="utf-8"?>
+<file path=ppt/slides/slide13.xml><?xml version="1.0" encoding="utf-8"?>
 <p:sld xmlns:a="http://schemas.openxmlformats.org/drawingml/2006/main" xmlns:r="http://schemas.openxmlformats.org/officeDocument/2006/relationships" xmlns:p="http://schemas.openxmlformats.org/presentationml/2006/main">
   <p:cSld>
     <p:spTree>
